--- a/FASE3/Documentacion/Manual de Usuario.pptx
+++ b/FASE3/Documentacion/Manual de Usuario.pptx
@@ -119,6 +119,11 @@
       </a:defRPr>
     </a:lvl9pPr>
   </p:defaultTextStyle>
+  <p:extLst>
+    <p:ext uri="{EFAFB233-063F-42B5-8137-9DF3F51BA10A}">
+      <p15:sldGuideLst xmlns:p15="http://schemas.microsoft.com/office/powerpoint/2012/main"/>
+    </p:ext>
+  </p:extLst>
 </p:presentation>
 </file>
 
@@ -845,7 +850,7 @@
             <a:fld id="{B61BEF0D-F0BB-DE4B-95CE-6DB70DBA9567}" type="datetimeFigureOut">
               <a:rPr lang="en-US" dirty="0"/>
               <a:pPr/>
-              <a:t>6/23/2015</a:t>
+              <a:t>7/6/2015</a:t>
             </a:fld>
             <a:endParaRPr lang="en-US" dirty="0"/>
           </a:p>
@@ -1093,7 +1098,7 @@
             <a:fld id="{B61BEF0D-F0BB-DE4B-95CE-6DB70DBA9567}" type="datetimeFigureOut">
               <a:rPr lang="en-US" dirty="0"/>
               <a:pPr/>
-              <a:t>6/23/2015</a:t>
+              <a:t>7/6/2015</a:t>
             </a:fld>
             <a:endParaRPr lang="en-US" dirty="0"/>
           </a:p>
@@ -1404,7 +1409,7 @@
             <a:fld id="{B61BEF0D-F0BB-DE4B-95CE-6DB70DBA9567}" type="datetimeFigureOut">
               <a:rPr lang="en-US" dirty="0"/>
               <a:pPr/>
-              <a:t>6/23/2015</a:t>
+              <a:t>7/6/2015</a:t>
             </a:fld>
             <a:endParaRPr lang="en-US" dirty="0"/>
           </a:p>
@@ -1742,7 +1747,7 @@
             <a:fld id="{B61BEF0D-F0BB-DE4B-95CE-6DB70DBA9567}" type="datetimeFigureOut">
               <a:rPr lang="en-US" dirty="0"/>
               <a:pPr/>
-              <a:t>6/23/2015</a:t>
+              <a:t>7/6/2015</a:t>
             </a:fld>
             <a:endParaRPr lang="en-US" dirty="0"/>
           </a:p>
@@ -2053,7 +2058,7 @@
             <a:fld id="{B61BEF0D-F0BB-DE4B-95CE-6DB70DBA9567}" type="datetimeFigureOut">
               <a:rPr lang="en-US" dirty="0"/>
               <a:pPr/>
-              <a:t>6/23/2015</a:t>
+              <a:t>7/6/2015</a:t>
             </a:fld>
             <a:endParaRPr lang="en-US" dirty="0"/>
           </a:p>
@@ -2443,7 +2448,7 @@
             <a:fld id="{B61BEF0D-F0BB-DE4B-95CE-6DB70DBA9567}" type="datetimeFigureOut">
               <a:rPr lang="en-US" dirty="0"/>
               <a:pPr/>
-              <a:t>6/23/2015</a:t>
+              <a:t>7/6/2015</a:t>
             </a:fld>
             <a:endParaRPr lang="en-US" dirty="0"/>
           </a:p>
@@ -2609,7 +2614,7 @@
           <a:p>
             <a:fld id="{55C6B4A9-1611-4792-9094-5F34BCA07E0B}" type="datetimeFigureOut">
               <a:rPr lang="en-US" dirty="0"/>
-              <a:t>6/23/2015</a:t>
+              <a:t>7/6/2015</a:t>
             </a:fld>
             <a:endParaRPr lang="en-US" dirty="0"/>
           </a:p>
@@ -2785,7 +2790,7 @@
             <a:fld id="{B61BEF0D-F0BB-DE4B-95CE-6DB70DBA9567}" type="datetimeFigureOut">
               <a:rPr lang="en-US" dirty="0"/>
               <a:pPr/>
-              <a:t>6/23/2015</a:t>
+              <a:t>7/6/2015</a:t>
             </a:fld>
             <a:endParaRPr lang="en-US" dirty="0"/>
           </a:p>
@@ -2958,7 +2963,7 @@
             <a:fld id="{B61BEF0D-F0BB-DE4B-95CE-6DB70DBA9567}" type="datetimeFigureOut">
               <a:rPr lang="en-US" dirty="0"/>
               <a:pPr/>
-              <a:t>6/23/2015</a:t>
+              <a:t>7/6/2015</a:t>
             </a:fld>
             <a:endParaRPr lang="en-US" dirty="0"/>
           </a:p>
@@ -3202,7 +3207,7 @@
             <a:fld id="{B61BEF0D-F0BB-DE4B-95CE-6DB70DBA9567}" type="datetimeFigureOut">
               <a:rPr lang="en-US" dirty="0"/>
               <a:pPr/>
-              <a:t>6/23/2015</a:t>
+              <a:t>7/6/2015</a:t>
             </a:fld>
             <a:endParaRPr lang="en-US" dirty="0"/>
           </a:p>
@@ -3430,7 +3435,7 @@
           <a:p>
             <a:fld id="{EB712588-04B1-427B-82EE-E8DB90309F08}" type="datetimeFigureOut">
               <a:rPr lang="en-US" dirty="0"/>
-              <a:t>6/23/2015</a:t>
+              <a:t>7/6/2015</a:t>
             </a:fld>
             <a:endParaRPr lang="en-US" dirty="0"/>
           </a:p>
@@ -3800,7 +3805,7 @@
             <a:fld id="{B61BEF0D-F0BB-DE4B-95CE-6DB70DBA9567}" type="datetimeFigureOut">
               <a:rPr lang="en-US" dirty="0"/>
               <a:pPr/>
-              <a:t>6/23/2015</a:t>
+              <a:t>7/6/2015</a:t>
             </a:fld>
             <a:endParaRPr lang="en-US" dirty="0"/>
           </a:p>
@@ -3920,7 +3925,7 @@
             <a:fld id="{B61BEF0D-F0BB-DE4B-95CE-6DB70DBA9567}" type="datetimeFigureOut">
               <a:rPr lang="en-US" dirty="0"/>
               <a:pPr/>
-              <a:t>6/23/2015</a:t>
+              <a:t>7/6/2015</a:t>
             </a:fld>
             <a:endParaRPr lang="en-US" dirty="0"/>
           </a:p>
@@ -4012,7 +4017,7 @@
             <a:fld id="{B61BEF0D-F0BB-DE4B-95CE-6DB70DBA9567}" type="datetimeFigureOut">
               <a:rPr lang="en-US" dirty="0"/>
               <a:pPr/>
-              <a:t>6/23/2015</a:t>
+              <a:t>7/6/2015</a:t>
             </a:fld>
             <a:endParaRPr lang="en-US" dirty="0"/>
           </a:p>
@@ -4263,7 +4268,7 @@
           <a:p>
             <a:fld id="{42A54C80-263E-416B-A8E0-580EDEADCBDC}" type="datetimeFigureOut">
               <a:rPr lang="en-US" dirty="0"/>
-              <a:t>6/23/2015</a:t>
+              <a:t>7/6/2015</a:t>
             </a:fld>
             <a:endParaRPr lang="en-US" dirty="0"/>
           </a:p>
@@ -4522,7 +4527,7 @@
             <a:fld id="{B61BEF0D-F0BB-DE4B-95CE-6DB70DBA9567}" type="datetimeFigureOut">
               <a:rPr lang="en-US" dirty="0"/>
               <a:pPr/>
-              <a:t>6/23/2015</a:t>
+              <a:t>7/6/2015</a:t>
             </a:fld>
             <a:endParaRPr lang="en-US" dirty="0"/>
           </a:p>
@@ -5262,7 +5267,7 @@
             <a:fld id="{B61BEF0D-F0BB-DE4B-95CE-6DB70DBA9567}" type="datetimeFigureOut">
               <a:rPr lang="en-US" dirty="0"/>
               <a:pPr/>
-              <a:t>6/23/2015</a:t>
+              <a:t>7/6/2015</a:t>
             </a:fld>
             <a:endParaRPr lang="en-US" dirty="0"/>
           </a:p>
@@ -6949,11 +6954,15 @@
             </a:r>
             <a:r>
               <a:rPr lang="en-US" dirty="0" err="1" smtClean="0"/>
-              <a:t>Masva</a:t>
+              <a:t>Masiva</a:t>
             </a:r>
             <a:r>
               <a:rPr lang="en-US" dirty="0" smtClean="0"/>
-              <a:t> de CSV de </a:t>
+              <a:t> </a:t>
+            </a:r>
+            <a:r>
+              <a:rPr lang="en-US" dirty="0" smtClean="0"/>
+              <a:t>de CSV de </a:t>
             </a:r>
             <a:r>
               <a:rPr lang="en-US" dirty="0" err="1" smtClean="0"/>
